--- a/Presentacion.pptx
+++ b/Presentacion.pptx
@@ -11,7 +11,9 @@
     <p:sldId id="258" r:id="rId5"/>
     <p:sldId id="259" r:id="rId6"/>
     <p:sldId id="261" r:id="rId7"/>
-    <p:sldId id="262" r:id="rId8"/>
+    <p:sldId id="264" r:id="rId8"/>
+    <p:sldId id="262" r:id="rId9"/>
+    <p:sldId id="263" r:id="rId10"/>
   </p:sldIdLst>
   <p:sldSz cx="9144000" cy="6858000" type="screen4x3"/>
   <p:notesSz cx="6858000" cy="9144000"/>
@@ -5229,8 +5231,13 @@
           <a:p>
             <a:r>
               <a:rPr lang="es-ES" dirty="0" smtClean="0"/>
-              <a:t>Conjunto de pruebas:</a:t>
-            </a:r>
+              <a:t>Conjunto de </a:t>
+            </a:r>
+            <a:r>
+              <a:rPr lang="es-ES" dirty="0" smtClean="0"/>
+              <a:t>test:</a:t>
+            </a:r>
+            <a:endParaRPr lang="es-ES" dirty="0" smtClean="0"/>
           </a:p>
           <a:p>
             <a:endParaRPr lang="es-ES" dirty="0"/>
@@ -5305,13 +5312,104 @@
           <a:bodyPr/>
           <a:lstStyle/>
           <a:p>
-            <a:r>
-              <a:rPr lang="es-ES" smtClean="0"/>
-              <a:t>Conjunto retail.dat:</a:t>
-            </a:r>
-          </a:p>
-          <a:p>
             <a:endParaRPr lang="es-ES"/>
+          </a:p>
+        </p:txBody>
+      </p:sp>
+      <p:sp>
+        <p:nvSpPr>
+          <p:cNvPr id="3" name="2 Título"/>
+          <p:cNvSpPr>
+            <a:spLocks noGrp="1"/>
+          </p:cNvSpPr>
+          <p:nvPr>
+            <p:ph type="title"/>
+          </p:nvPr>
+        </p:nvSpPr>
+        <p:spPr/>
+        <p:txBody>
+          <a:bodyPr/>
+          <a:lstStyle/>
+          <a:p>
+            <a:r>
+              <a:rPr lang="es-ES" dirty="0" smtClean="0"/>
+              <a:t>Conclusiones test.dat</a:t>
+            </a:r>
+            <a:endParaRPr lang="es-ES" dirty="0"/>
+          </a:p>
+        </p:txBody>
+      </p:sp>
+    </p:spTree>
+    <p:extLst>
+      <p:ext uri="{BB962C8B-B14F-4D97-AF65-F5344CB8AC3E}">
+        <p14:creationId xmlns:p14="http://schemas.microsoft.com/office/powerpoint/2010/main" val="2540663688"/>
+      </p:ext>
+    </p:extLst>
+  </p:cSld>
+  <p:clrMapOvr>
+    <a:masterClrMapping/>
+  </p:clrMapOvr>
+</p:sld>
+</file>
+
+<file path=ppt/slides/slide8.xml><?xml version="1.0" encoding="utf-8"?>
+<p:sld xmlns:a="http://schemas.openxmlformats.org/drawingml/2006/main" xmlns:r="http://schemas.openxmlformats.org/officeDocument/2006/relationships" xmlns:p="http://schemas.openxmlformats.org/presentationml/2006/main">
+  <p:cSld>
+    <p:spTree>
+      <p:nvGrpSpPr>
+        <p:cNvPr id="1" name=""/>
+        <p:cNvGrpSpPr/>
+        <p:nvPr/>
+      </p:nvGrpSpPr>
+      <p:grpSpPr>
+        <a:xfrm>
+          <a:off x="0" y="0"/>
+          <a:ext cx="0" cy="0"/>
+          <a:chOff x="0" y="0"/>
+          <a:chExt cx="0" cy="0"/>
+        </a:xfrm>
+      </p:grpSpPr>
+      <p:sp>
+        <p:nvSpPr>
+          <p:cNvPr id="2" name="1 Marcador de contenido"/>
+          <p:cNvSpPr>
+            <a:spLocks noGrp="1"/>
+          </p:cNvSpPr>
+          <p:nvPr>
+            <p:ph idx="1"/>
+          </p:nvPr>
+        </p:nvSpPr>
+        <p:spPr/>
+        <p:txBody>
+          <a:bodyPr/>
+          <a:lstStyle/>
+          <a:p>
+            <a:r>
+              <a:rPr lang="es-ES" dirty="0" smtClean="0"/>
+              <a:t>Conjunto retail.dat</a:t>
+            </a:r>
+            <a:r>
+              <a:rPr lang="es-ES" dirty="0" smtClean="0"/>
+              <a:t>:</a:t>
+            </a:r>
+          </a:p>
+          <a:p>
+            <a:pPr lvl="1"/>
+            <a:r>
+              <a:rPr lang="es-ES" dirty="0" smtClean="0"/>
+              <a:t>Soporte de al menos el 7,9% de las transacciones.</a:t>
+            </a:r>
+          </a:p>
+          <a:p>
+            <a:pPr lvl="1"/>
+            <a:r>
+              <a:rPr lang="es-ES" dirty="0" smtClean="0"/>
+              <a:t>Confianza de al menos el 50%.</a:t>
+            </a:r>
+            <a:endParaRPr lang="es-ES" dirty="0" smtClean="0"/>
+          </a:p>
+          <a:p>
+            <a:endParaRPr lang="es-ES" dirty="0"/>
           </a:p>
         </p:txBody>
       </p:sp>
@@ -5338,10 +5436,151 @@
           </a:p>
         </p:txBody>
       </p:sp>
+      <p:pic>
+        <p:nvPicPr>
+          <p:cNvPr id="1026" name="Picture 2"/>
+          <p:cNvPicPr>
+            <a:picLocks noChangeAspect="1" noChangeArrowheads="1"/>
+          </p:cNvPicPr>
+          <p:nvPr/>
+        </p:nvPicPr>
+        <p:blipFill>
+          <a:blip r:embed="rId2">
+            <a:extLst>
+              <a:ext uri="{28A0092B-C50C-407E-A947-70E740481C1C}">
+                <a14:useLocalDpi xmlns:a14="http://schemas.microsoft.com/office/drawing/2010/main" val="0"/>
+              </a:ext>
+            </a:extLst>
+          </a:blip>
+          <a:srcRect/>
+          <a:stretch>
+            <a:fillRect/>
+          </a:stretch>
+        </p:blipFill>
+        <p:spPr bwMode="auto">
+          <a:xfrm>
+            <a:off x="29205" y="3284984"/>
+            <a:ext cx="9114795" cy="2114723"/>
+          </a:xfrm>
+          <a:prstGeom prst="rect">
+            <a:avLst/>
+          </a:prstGeom>
+          <a:noFill/>
+          <a:ln>
+            <a:noFill/>
+          </a:ln>
+          <a:extLst>
+            <a:ext uri="{909E8E84-426E-40DD-AFC4-6F175D3DCCD1}">
+              <a14:hiddenFill xmlns:a14="http://schemas.microsoft.com/office/drawing/2010/main">
+                <a:solidFill>
+                  <a:schemeClr val="accent1"/>
+                </a:solidFill>
+              </a14:hiddenFill>
+            </a:ext>
+            <a:ext uri="{91240B29-F687-4F45-9708-019B960494DF}">
+              <a14:hiddenLine xmlns:a14="http://schemas.microsoft.com/office/drawing/2010/main" w="9525">
+                <a:solidFill>
+                  <a:schemeClr val="tx1"/>
+                </a:solidFill>
+                <a:miter lim="800000"/>
+                <a:headEnd/>
+                <a:tailEnd/>
+              </a14:hiddenLine>
+            </a:ext>
+          </a:extLst>
+        </p:spPr>
+      </p:pic>
     </p:spTree>
     <p:extLst>
       <p:ext uri="{BB962C8B-B14F-4D97-AF65-F5344CB8AC3E}">
         <p14:creationId xmlns:p14="http://schemas.microsoft.com/office/powerpoint/2010/main" val="3334532814"/>
+      </p:ext>
+    </p:extLst>
+  </p:cSld>
+  <p:clrMapOvr>
+    <a:masterClrMapping/>
+  </p:clrMapOvr>
+</p:sld>
+</file>
+
+<file path=ppt/slides/slide9.xml><?xml version="1.0" encoding="utf-8"?>
+<p:sld xmlns:a="http://schemas.openxmlformats.org/drawingml/2006/main" xmlns:r="http://schemas.openxmlformats.org/officeDocument/2006/relationships" xmlns:p="http://schemas.openxmlformats.org/presentationml/2006/main">
+  <p:cSld>
+    <p:spTree>
+      <p:nvGrpSpPr>
+        <p:cNvPr id="1" name=""/>
+        <p:cNvGrpSpPr/>
+        <p:nvPr/>
+      </p:nvGrpSpPr>
+      <p:grpSpPr>
+        <a:xfrm>
+          <a:off x="0" y="0"/>
+          <a:ext cx="0" cy="0"/>
+          <a:chOff x="0" y="0"/>
+          <a:chExt cx="0" cy="0"/>
+        </a:xfrm>
+      </p:grpSpPr>
+      <p:sp>
+        <p:nvSpPr>
+          <p:cNvPr id="2" name="1 Marcador de contenido"/>
+          <p:cNvSpPr>
+            <a:spLocks noGrp="1"/>
+          </p:cNvSpPr>
+          <p:nvPr>
+            <p:ph idx="1"/>
+          </p:nvPr>
+        </p:nvSpPr>
+        <p:spPr/>
+        <p:txBody>
+          <a:bodyPr/>
+          <a:lstStyle/>
+          <a:p>
+            <a:r>
+              <a:rPr lang="es-ES" dirty="0" smtClean="0"/>
+              <a:t>Los objetos 39 y 48 aparecen juntos en muchas de las transacciones (muchas más que el resto)</a:t>
+            </a:r>
+          </a:p>
+          <a:p>
+            <a:endParaRPr lang="es-ES" dirty="0" smtClean="0"/>
+          </a:p>
+          <a:p>
+            <a:r>
+              <a:rPr lang="es-ES" dirty="0" smtClean="0"/>
+              <a:t>La mayoría de conjuntos frecuentes no llega a estar presenten en más del 5% de las transacciones.</a:t>
+            </a:r>
+          </a:p>
+          <a:p>
+            <a:endParaRPr lang="es-ES" dirty="0"/>
+          </a:p>
+        </p:txBody>
+      </p:sp>
+      <p:sp>
+        <p:nvSpPr>
+          <p:cNvPr id="3" name="2 Título"/>
+          <p:cNvSpPr>
+            <a:spLocks noGrp="1"/>
+          </p:cNvSpPr>
+          <p:nvPr>
+            <p:ph type="title"/>
+          </p:nvPr>
+        </p:nvSpPr>
+        <p:spPr/>
+        <p:txBody>
+          <a:bodyPr/>
+          <a:lstStyle/>
+          <a:p>
+            <a:r>
+              <a:rPr lang="es-ES" dirty="0" smtClean="0"/>
+              <a:t>Conclusiones retail.dat</a:t>
+            </a:r>
+            <a:endParaRPr lang="es-ES" dirty="0"/>
+          </a:p>
+        </p:txBody>
+      </p:sp>
+    </p:spTree>
+    <p:extLst>
+      <p:ext uri="{BB962C8B-B14F-4D97-AF65-F5344CB8AC3E}">
+        <p14:creationId xmlns:p14="http://schemas.microsoft.com/office/powerpoint/2010/main" val="1966468486"/>
       </p:ext>
     </p:extLst>
   </p:cSld>

--- a/Presentacion.pptx
+++ b/Presentacion.pptx
@@ -5103,7 +5103,17 @@
           <a:p>
             <a:r>
               <a:rPr lang="es-ES" dirty="0" smtClean="0"/>
-              <a:t>Una regla se considera buena si tiene un soporte y una confianza altos.</a:t>
+              <a:t>Una regla se considera buena si tiene un soporte y una confianza altos</a:t>
+            </a:r>
+            <a:r>
+              <a:rPr lang="es-ES" dirty="0" smtClean="0"/>
+              <a:t>.</a:t>
+            </a:r>
+          </a:p>
+          <a:p>
+            <a:r>
+              <a:rPr lang="es-ES" dirty="0" smtClean="0"/>
+              <a:t>Como no se indica nada, se obtienen todas las reglas para todos los tamaños de k</a:t>
             </a:r>
             <a:endParaRPr lang="es-ES" dirty="0"/>
           </a:p>
@@ -5153,7 +5163,7 @@
         </p:blipFill>
         <p:spPr bwMode="auto">
           <a:xfrm>
-            <a:off x="2803968" y="5050632"/>
+            <a:off x="3635896" y="5589240"/>
             <a:ext cx="5193609" cy="1114672"/>
           </a:xfrm>
           <a:prstGeom prst="rect">
@@ -5231,11 +5241,25 @@
           <a:p>
             <a:r>
               <a:rPr lang="es-ES" dirty="0" smtClean="0"/>
-              <a:t>Conjunto de </a:t>
+              <a:t>Conjunto de test</a:t>
             </a:r>
             <a:r>
               <a:rPr lang="es-ES" dirty="0" smtClean="0"/>
-              <a:t>test:</a:t>
+              <a:t>:</a:t>
+            </a:r>
+          </a:p>
+          <a:p>
+            <a:pPr lvl="1"/>
+            <a:r>
+              <a:rPr lang="es-ES" dirty="0" smtClean="0"/>
+              <a:t>Soporte de al menos 50% de las transacciones</a:t>
+            </a:r>
+          </a:p>
+          <a:p>
+            <a:pPr lvl="1"/>
+            <a:r>
+              <a:rPr lang="es-ES" dirty="0" smtClean="0"/>
+              <a:t>Confianza de al menos 50%</a:t>
             </a:r>
             <a:endParaRPr lang="es-ES" dirty="0" smtClean="0"/>
           </a:p>
@@ -5267,6 +5291,60 @@
           </a:p>
         </p:txBody>
       </p:sp>
+      <p:pic>
+        <p:nvPicPr>
+          <p:cNvPr id="1026" name="Picture 2"/>
+          <p:cNvPicPr>
+            <a:picLocks noChangeAspect="1" noChangeArrowheads="1"/>
+          </p:cNvPicPr>
+          <p:nvPr/>
+        </p:nvPicPr>
+        <p:blipFill>
+          <a:blip r:embed="rId2">
+            <a:extLst>
+              <a:ext uri="{28A0092B-C50C-407E-A947-70E740481C1C}">
+                <a14:useLocalDpi xmlns:a14="http://schemas.microsoft.com/office/drawing/2010/main" val="0"/>
+              </a:ext>
+            </a:extLst>
+          </a:blip>
+          <a:srcRect/>
+          <a:stretch>
+            <a:fillRect/>
+          </a:stretch>
+        </p:blipFill>
+        <p:spPr bwMode="auto">
+          <a:xfrm>
+            <a:off x="971600" y="2996952"/>
+            <a:ext cx="7294144" cy="3339097"/>
+          </a:xfrm>
+          <a:prstGeom prst="rect">
+            <a:avLst/>
+          </a:prstGeom>
+          <a:noFill/>
+          <a:ln>
+            <a:noFill/>
+          </a:ln>
+          <a:extLst>
+            <a:ext uri="{909E8E84-426E-40DD-AFC4-6F175D3DCCD1}">
+              <a14:hiddenFill xmlns:a14="http://schemas.microsoft.com/office/drawing/2010/main">
+                <a:solidFill>
+                  <a:schemeClr val="accent1"/>
+                </a:solidFill>
+              </a14:hiddenFill>
+            </a:ext>
+            <a:ext uri="{91240B29-F687-4F45-9708-019B960494DF}">
+              <a14:hiddenLine xmlns:a14="http://schemas.microsoft.com/office/drawing/2010/main" w="9525">
+                <a:solidFill>
+                  <a:schemeClr val="tx1"/>
+                </a:solidFill>
+                <a:miter lim="800000"/>
+                <a:headEnd/>
+                <a:tailEnd/>
+              </a14:hiddenLine>
+            </a:ext>
+          </a:extLst>
+        </p:spPr>
+      </p:pic>
     </p:spTree>
     <p:extLst>
       <p:ext uri="{BB962C8B-B14F-4D97-AF65-F5344CB8AC3E}">
@@ -5312,7 +5390,34 @@
           <a:bodyPr/>
           <a:lstStyle/>
           <a:p>
-            <a:endParaRPr lang="es-ES"/>
+            <a:r>
+              <a:rPr lang="es-ES" dirty="0" smtClean="0"/>
+              <a:t>Al ser un conjunto muy pequeño el soporte y la confianza es muy alto en todos los casos.</a:t>
+            </a:r>
+          </a:p>
+          <a:p>
+            <a:r>
+              <a:rPr lang="es-ES" dirty="0" smtClean="0"/>
+              <a:t>Podemos observar perfectamente como las reglas no son conmutativas.</a:t>
+            </a:r>
+          </a:p>
+          <a:p>
+            <a:pPr lvl="1"/>
+            <a:r>
+              <a:rPr lang="es-ES" dirty="0" smtClean="0"/>
+              <a:t>Que se compre 2 y 3 garantiza que se va a comprar 5 al 100% de confianza</a:t>
+            </a:r>
+          </a:p>
+          <a:p>
+            <a:pPr lvl="1"/>
+            <a:r>
+              <a:rPr lang="es-ES" dirty="0" smtClean="0"/>
+              <a:t>Que se compre 2 y 5 no tiene la misma garantía, es solo del 66,6%</a:t>
+            </a:r>
+            <a:endParaRPr lang="es-ES" dirty="0" smtClean="0"/>
+          </a:p>
+          <a:p>
+            <a:endParaRPr lang="es-ES" dirty="0"/>
           </a:p>
         </p:txBody>
       </p:sp>
@@ -5339,6 +5444,60 @@
           </a:p>
         </p:txBody>
       </p:sp>
+      <p:pic>
+        <p:nvPicPr>
+          <p:cNvPr id="2050" name="Picture 2"/>
+          <p:cNvPicPr>
+            <a:picLocks noChangeAspect="1" noChangeArrowheads="1"/>
+          </p:cNvPicPr>
+          <p:nvPr/>
+        </p:nvPicPr>
+        <p:blipFill>
+          <a:blip r:embed="rId2">
+            <a:extLst>
+              <a:ext uri="{28A0092B-C50C-407E-A947-70E740481C1C}">
+                <a14:useLocalDpi xmlns:a14="http://schemas.microsoft.com/office/drawing/2010/main" val="0"/>
+              </a:ext>
+            </a:extLst>
+          </a:blip>
+          <a:srcRect/>
+          <a:stretch>
+            <a:fillRect/>
+          </a:stretch>
+        </p:blipFill>
+        <p:spPr bwMode="auto">
+          <a:xfrm>
+            <a:off x="1128699" y="5085184"/>
+            <a:ext cx="7085587" cy="864096"/>
+          </a:xfrm>
+          <a:prstGeom prst="rect">
+            <a:avLst/>
+          </a:prstGeom>
+          <a:noFill/>
+          <a:ln>
+            <a:noFill/>
+          </a:ln>
+          <a:extLst>
+            <a:ext uri="{909E8E84-426E-40DD-AFC4-6F175D3DCCD1}">
+              <a14:hiddenFill xmlns:a14="http://schemas.microsoft.com/office/drawing/2010/main">
+                <a:solidFill>
+                  <a:schemeClr val="accent1"/>
+                </a:solidFill>
+              </a14:hiddenFill>
+            </a:ext>
+            <a:ext uri="{91240B29-F687-4F45-9708-019B960494DF}">
+              <a14:hiddenLine xmlns:a14="http://schemas.microsoft.com/office/drawing/2010/main" w="9525">
+                <a:solidFill>
+                  <a:schemeClr val="tx1"/>
+                </a:solidFill>
+                <a:miter lim="800000"/>
+                <a:headEnd/>
+                <a:tailEnd/>
+              </a14:hiddenLine>
+            </a:ext>
+          </a:extLst>
+        </p:spPr>
+      </p:pic>
     </p:spTree>
     <p:extLst>
       <p:ext uri="{BB962C8B-B14F-4D97-AF65-F5344CB8AC3E}">
@@ -5386,11 +5545,7 @@
           <a:p>
             <a:r>
               <a:rPr lang="es-ES" dirty="0" smtClean="0"/>
-              <a:t>Conjunto retail.dat</a:t>
-            </a:r>
-            <a:r>
-              <a:rPr lang="es-ES" dirty="0" smtClean="0"/>
-              <a:t>:</a:t>
+              <a:t>Conjunto retail.dat:</a:t>
             </a:r>
           </a:p>
           <a:p>
@@ -5406,7 +5561,6 @@
               <a:rPr lang="es-ES" dirty="0" smtClean="0"/>
               <a:t>Confianza de al menos el 50%.</a:t>
             </a:r>
-            <a:endParaRPr lang="es-ES" dirty="0" smtClean="0"/>
           </a:p>
           <a:p>
             <a:endParaRPr lang="es-ES" dirty="0"/>
